--- a/Documentations/LightNet Tutorial.pptx
+++ b/Documentations/LightNet Tutorial.pptx
@@ -16,8 +16,11 @@
     <p:sldId id="270" r:id="rId10"/>
     <p:sldId id="264" r:id="rId11"/>
     <p:sldId id="265" r:id="rId12"/>
-    <p:sldId id="269" r:id="rId13"/>
-    <p:sldId id="266" r:id="rId14"/>
+    <p:sldId id="271" r:id="rId13"/>
+    <p:sldId id="272" r:id="rId14"/>
+    <p:sldId id="273" r:id="rId15"/>
+    <p:sldId id="274" r:id="rId16"/>
+    <p:sldId id="266" r:id="rId17"/>
   </p:sldIdLst>
   <p:sldSz cx="12192000" cy="6858000"/>
   <p:notesSz cx="6858000" cy="9144000"/>
@@ -253,7 +256,7 @@
           <a:p>
             <a:fld id="{0580B636-88A0-4567-8D23-F769352092DB}" type="datetimeFigureOut">
               <a:rPr lang="en-US" smtClean="0"/>
-              <a:t>2/23/2017</a:t>
+              <a:t>2/26/2017</a:t>
             </a:fld>
             <a:endParaRPr lang="en-US"/>
           </a:p>
@@ -421,7 +424,7 @@
           <a:p>
             <a:fld id="{0580B636-88A0-4567-8D23-F769352092DB}" type="datetimeFigureOut">
               <a:rPr lang="en-US" smtClean="0"/>
-              <a:t>2/23/2017</a:t>
+              <a:t>2/26/2017</a:t>
             </a:fld>
             <a:endParaRPr lang="en-US"/>
           </a:p>
@@ -599,7 +602,7 @@
           <a:p>
             <a:fld id="{0580B636-88A0-4567-8D23-F769352092DB}" type="datetimeFigureOut">
               <a:rPr lang="en-US" smtClean="0"/>
-              <a:t>2/23/2017</a:t>
+              <a:t>2/26/2017</a:t>
             </a:fld>
             <a:endParaRPr lang="en-US"/>
           </a:p>
@@ -767,7 +770,7 @@
           <a:p>
             <a:fld id="{0580B636-88A0-4567-8D23-F769352092DB}" type="datetimeFigureOut">
               <a:rPr lang="en-US" smtClean="0"/>
-              <a:t>2/23/2017</a:t>
+              <a:t>2/26/2017</a:t>
             </a:fld>
             <a:endParaRPr lang="en-US"/>
           </a:p>
@@ -1012,7 +1015,7 @@
           <a:p>
             <a:fld id="{0580B636-88A0-4567-8D23-F769352092DB}" type="datetimeFigureOut">
               <a:rPr lang="en-US" smtClean="0"/>
-              <a:t>2/23/2017</a:t>
+              <a:t>2/26/2017</a:t>
             </a:fld>
             <a:endParaRPr lang="en-US"/>
           </a:p>
@@ -1241,7 +1244,7 @@
           <a:p>
             <a:fld id="{0580B636-88A0-4567-8D23-F769352092DB}" type="datetimeFigureOut">
               <a:rPr lang="en-US" smtClean="0"/>
-              <a:t>2/23/2017</a:t>
+              <a:t>2/26/2017</a:t>
             </a:fld>
             <a:endParaRPr lang="en-US"/>
           </a:p>
@@ -1605,7 +1608,7 @@
           <a:p>
             <a:fld id="{0580B636-88A0-4567-8D23-F769352092DB}" type="datetimeFigureOut">
               <a:rPr lang="en-US" smtClean="0"/>
-              <a:t>2/23/2017</a:t>
+              <a:t>2/26/2017</a:t>
             </a:fld>
             <a:endParaRPr lang="en-US"/>
           </a:p>
@@ -1722,7 +1725,7 @@
           <a:p>
             <a:fld id="{0580B636-88A0-4567-8D23-F769352092DB}" type="datetimeFigureOut">
               <a:rPr lang="en-US" smtClean="0"/>
-              <a:t>2/23/2017</a:t>
+              <a:t>2/26/2017</a:t>
             </a:fld>
             <a:endParaRPr lang="en-US"/>
           </a:p>
@@ -1817,7 +1820,7 @@
           <a:p>
             <a:fld id="{0580B636-88A0-4567-8D23-F769352092DB}" type="datetimeFigureOut">
               <a:rPr lang="en-US" smtClean="0"/>
-              <a:t>2/23/2017</a:t>
+              <a:t>2/26/2017</a:t>
             </a:fld>
             <a:endParaRPr lang="en-US"/>
           </a:p>
@@ -2092,7 +2095,7 @@
           <a:p>
             <a:fld id="{0580B636-88A0-4567-8D23-F769352092DB}" type="datetimeFigureOut">
               <a:rPr lang="en-US" smtClean="0"/>
-              <a:t>2/23/2017</a:t>
+              <a:t>2/26/2017</a:t>
             </a:fld>
             <a:endParaRPr lang="en-US"/>
           </a:p>
@@ -2344,7 +2347,7 @@
           <a:p>
             <a:fld id="{0580B636-88A0-4567-8D23-F769352092DB}" type="datetimeFigureOut">
               <a:rPr lang="en-US" smtClean="0"/>
-              <a:t>2/23/2017</a:t>
+              <a:t>2/26/2017</a:t>
             </a:fld>
             <a:endParaRPr lang="en-US"/>
           </a:p>
@@ -2555,7 +2558,7 @@
           <a:p>
             <a:fld id="{0580B636-88A0-4567-8D23-F769352092DB}" type="datetimeFigureOut">
               <a:rPr lang="en-US" smtClean="0"/>
-              <a:t>2/23/2017</a:t>
+              <a:t>2/26/2017</a:t>
             </a:fld>
             <a:endParaRPr lang="en-US"/>
           </a:p>
@@ -3449,7 +3452,7 @@
             <a:spLocks noGrp="1"/>
           </p:cNvSpPr>
           <p:nvPr>
-            <p:ph type="ctrTitle"/>
+            <p:ph type="title"/>
           </p:nvPr>
         </p:nvSpPr>
         <p:spPr/>
@@ -3463,38 +3466,63 @@
       </p:sp>
       <p:sp>
         <p:nvSpPr>
-          <p:cNvPr id="3" name="Subtitle 2"/>
-          <p:cNvSpPr>
-            <a:spLocks noGrp="1"/>
-          </p:cNvSpPr>
-          <p:nvPr>
-            <p:ph type="subTitle" idx="1"/>
-          </p:nvPr>
-        </p:nvSpPr>
-        <p:spPr/>
-        <p:txBody>
-          <a:bodyPr/>
-          <a:lstStyle/>
-          <a:p>
-            <a:r>
-              <a:rPr lang="en-US" dirty="0"/>
-              <a:t>The </a:t>
-            </a:r>
-            <a:r>
-              <a:rPr lang="en-US" dirty="0" err="1"/>
-              <a:t>maths</a:t>
-            </a:r>
-            <a:r>
-              <a:rPr lang="en-US" dirty="0"/>
-              <a:t> part is intentionally left blank for now.</a:t>
-            </a:r>
-          </a:p>
-        </p:txBody>
-      </p:sp>
+          <p:cNvPr id="3" name="Content Placeholder 2"/>
+          <p:cNvSpPr>
+            <a:spLocks noGrp="1"/>
+          </p:cNvSpPr>
+          <p:nvPr>
+            <p:ph idx="1"/>
+          </p:nvPr>
+        </p:nvSpPr>
+        <p:spPr/>
+        <p:txBody>
+          <a:bodyPr/>
+          <a:lstStyle/>
+          <a:p>
+            <a:r>
+              <a:rPr lang="en-US" dirty="0"/>
+              <a:t>For the mathematical details, ref to “</a:t>
+            </a:r>
+            <a:r>
+              <a:rPr lang="en-US" dirty="0" err="1"/>
+              <a:t>LightNet</a:t>
+            </a:r>
+            <a:r>
+              <a:rPr lang="en-US" dirty="0"/>
+              <a:t>- Supplementary Materials”</a:t>
+            </a:r>
+            <a:endParaRPr lang="en-US" dirty="0"/>
+          </a:p>
+        </p:txBody>
+      </p:sp>
+      <p:pic>
+        <p:nvPicPr>
+          <p:cNvPr id="4" name="Picture 3"/>
+          <p:cNvPicPr>
+            <a:picLocks noChangeAspect="1"/>
+          </p:cNvPicPr>
+          <p:nvPr/>
+        </p:nvPicPr>
+        <p:blipFill>
+          <a:blip r:embed="rId2"/>
+          <a:stretch>
+            <a:fillRect/>
+          </a:stretch>
+        </p:blipFill>
+        <p:spPr>
+          <a:xfrm>
+            <a:off x="1000124" y="2667000"/>
+            <a:ext cx="9322890" cy="3770092"/>
+          </a:xfrm>
+          <a:prstGeom prst="rect">
+            <a:avLst/>
+          </a:prstGeom>
+        </p:spPr>
+      </p:pic>
     </p:spTree>
     <p:extLst>
       <p:ext uri="{BB962C8B-B14F-4D97-AF65-F5344CB8AC3E}">
-        <p14:creationId xmlns:p14="http://schemas.microsoft.com/office/powerpoint/2010/main" val="3975767204"/>
+        <p14:creationId xmlns:p14="http://schemas.microsoft.com/office/powerpoint/2010/main" val="1551399708"/>
       </p:ext>
     </p:extLst>
   </p:cSld>
@@ -3505,6 +3533,282 @@
 </file>
 
 <file path=ppt/slides/slide13.xml><?xml version="1.0" encoding="utf-8"?>
+<p:sld xmlns:a="http://schemas.openxmlformats.org/drawingml/2006/main" xmlns:r="http://schemas.openxmlformats.org/officeDocument/2006/relationships" xmlns:p="http://schemas.openxmlformats.org/presentationml/2006/main">
+  <p:cSld>
+    <p:spTree>
+      <p:nvGrpSpPr>
+        <p:cNvPr id="1" name=""/>
+        <p:cNvGrpSpPr/>
+        <p:nvPr/>
+      </p:nvGrpSpPr>
+      <p:grpSpPr>
+        <a:xfrm>
+          <a:off x="0" y="0"/>
+          <a:ext cx="0" cy="0"/>
+          <a:chOff x="0" y="0"/>
+          <a:chExt cx="0" cy="0"/>
+        </a:xfrm>
+      </p:grpSpPr>
+      <p:sp>
+        <p:nvSpPr>
+          <p:cNvPr id="2" name="Title 1"/>
+          <p:cNvSpPr>
+            <a:spLocks noGrp="1"/>
+          </p:cNvSpPr>
+          <p:nvPr>
+            <p:ph type="title"/>
+          </p:nvPr>
+        </p:nvSpPr>
+        <p:spPr/>
+        <p:txBody>
+          <a:bodyPr/>
+          <a:lstStyle/>
+          <a:p>
+            <a:endParaRPr lang="en-US" dirty="0"/>
+          </a:p>
+        </p:txBody>
+      </p:sp>
+      <p:sp>
+        <p:nvSpPr>
+          <p:cNvPr id="3" name="Content Placeholder 2"/>
+          <p:cNvSpPr>
+            <a:spLocks noGrp="1"/>
+          </p:cNvSpPr>
+          <p:nvPr>
+            <p:ph idx="1"/>
+          </p:nvPr>
+        </p:nvSpPr>
+        <p:spPr/>
+        <p:txBody>
+          <a:bodyPr/>
+          <a:lstStyle/>
+          <a:p>
+            <a:endParaRPr lang="en-US"/>
+          </a:p>
+        </p:txBody>
+      </p:sp>
+      <p:pic>
+        <p:nvPicPr>
+          <p:cNvPr id="4" name="Picture 3"/>
+          <p:cNvPicPr>
+            <a:picLocks noChangeAspect="1"/>
+          </p:cNvPicPr>
+          <p:nvPr/>
+        </p:nvPicPr>
+        <p:blipFill>
+          <a:blip r:embed="rId2"/>
+          <a:stretch>
+            <a:fillRect/>
+          </a:stretch>
+        </p:blipFill>
+        <p:spPr>
+          <a:xfrm>
+            <a:off x="1276349" y="1499037"/>
+            <a:ext cx="9248775" cy="4677926"/>
+          </a:xfrm>
+          <a:prstGeom prst="rect">
+            <a:avLst/>
+          </a:prstGeom>
+        </p:spPr>
+      </p:pic>
+    </p:spTree>
+    <p:extLst>
+      <p:ext uri="{BB962C8B-B14F-4D97-AF65-F5344CB8AC3E}">
+        <p14:creationId xmlns:p14="http://schemas.microsoft.com/office/powerpoint/2010/main" val="3937011525"/>
+      </p:ext>
+    </p:extLst>
+  </p:cSld>
+  <p:clrMapOvr>
+    <a:masterClrMapping/>
+  </p:clrMapOvr>
+</p:sld>
+</file>
+
+<file path=ppt/slides/slide14.xml><?xml version="1.0" encoding="utf-8"?>
+<p:sld xmlns:a="http://schemas.openxmlformats.org/drawingml/2006/main" xmlns:r="http://schemas.openxmlformats.org/officeDocument/2006/relationships" xmlns:p="http://schemas.openxmlformats.org/presentationml/2006/main">
+  <p:cSld>
+    <p:spTree>
+      <p:nvGrpSpPr>
+        <p:cNvPr id="1" name=""/>
+        <p:cNvGrpSpPr/>
+        <p:nvPr/>
+      </p:nvGrpSpPr>
+      <p:grpSpPr>
+        <a:xfrm>
+          <a:off x="0" y="0"/>
+          <a:ext cx="0" cy="0"/>
+          <a:chOff x="0" y="0"/>
+          <a:chExt cx="0" cy="0"/>
+        </a:xfrm>
+      </p:grpSpPr>
+      <p:sp>
+        <p:nvSpPr>
+          <p:cNvPr id="2" name="Title 1"/>
+          <p:cNvSpPr>
+            <a:spLocks noGrp="1"/>
+          </p:cNvSpPr>
+          <p:nvPr>
+            <p:ph type="title"/>
+          </p:nvPr>
+        </p:nvSpPr>
+        <p:spPr/>
+        <p:txBody>
+          <a:bodyPr/>
+          <a:lstStyle/>
+          <a:p>
+            <a:endParaRPr lang="en-US"/>
+          </a:p>
+        </p:txBody>
+      </p:sp>
+      <p:sp>
+        <p:nvSpPr>
+          <p:cNvPr id="3" name="Content Placeholder 2"/>
+          <p:cNvSpPr>
+            <a:spLocks noGrp="1"/>
+          </p:cNvSpPr>
+          <p:nvPr>
+            <p:ph idx="1"/>
+          </p:nvPr>
+        </p:nvSpPr>
+        <p:spPr/>
+        <p:txBody>
+          <a:bodyPr/>
+          <a:lstStyle/>
+          <a:p>
+            <a:endParaRPr lang="en-US"/>
+          </a:p>
+        </p:txBody>
+      </p:sp>
+      <p:pic>
+        <p:nvPicPr>
+          <p:cNvPr id="4" name="Picture 3"/>
+          <p:cNvPicPr>
+            <a:picLocks noChangeAspect="1"/>
+          </p:cNvPicPr>
+          <p:nvPr/>
+        </p:nvPicPr>
+        <p:blipFill>
+          <a:blip r:embed="rId2"/>
+          <a:stretch>
+            <a:fillRect/>
+          </a:stretch>
+        </p:blipFill>
+        <p:spPr>
+          <a:xfrm>
+            <a:off x="1163053" y="1930400"/>
+            <a:ext cx="10190747" cy="2794000"/>
+          </a:xfrm>
+          <a:prstGeom prst="rect">
+            <a:avLst/>
+          </a:prstGeom>
+        </p:spPr>
+      </p:pic>
+    </p:spTree>
+    <p:extLst>
+      <p:ext uri="{BB962C8B-B14F-4D97-AF65-F5344CB8AC3E}">
+        <p14:creationId xmlns:p14="http://schemas.microsoft.com/office/powerpoint/2010/main" val="126600484"/>
+      </p:ext>
+    </p:extLst>
+  </p:cSld>
+  <p:clrMapOvr>
+    <a:masterClrMapping/>
+  </p:clrMapOvr>
+</p:sld>
+</file>
+
+<file path=ppt/slides/slide15.xml><?xml version="1.0" encoding="utf-8"?>
+<p:sld xmlns:a="http://schemas.openxmlformats.org/drawingml/2006/main" xmlns:r="http://schemas.openxmlformats.org/officeDocument/2006/relationships" xmlns:p="http://schemas.openxmlformats.org/presentationml/2006/main">
+  <p:cSld>
+    <p:spTree>
+      <p:nvGrpSpPr>
+        <p:cNvPr id="1" name=""/>
+        <p:cNvGrpSpPr/>
+        <p:nvPr/>
+      </p:nvGrpSpPr>
+      <p:grpSpPr>
+        <a:xfrm>
+          <a:off x="0" y="0"/>
+          <a:ext cx="0" cy="0"/>
+          <a:chOff x="0" y="0"/>
+          <a:chExt cx="0" cy="0"/>
+        </a:xfrm>
+      </p:grpSpPr>
+      <p:sp>
+        <p:nvSpPr>
+          <p:cNvPr id="2" name="Title 1"/>
+          <p:cNvSpPr>
+            <a:spLocks noGrp="1"/>
+          </p:cNvSpPr>
+          <p:nvPr>
+            <p:ph type="title"/>
+          </p:nvPr>
+        </p:nvSpPr>
+        <p:spPr/>
+        <p:txBody>
+          <a:bodyPr/>
+          <a:lstStyle/>
+          <a:p>
+            <a:endParaRPr lang="en-US"/>
+          </a:p>
+        </p:txBody>
+      </p:sp>
+      <p:sp>
+        <p:nvSpPr>
+          <p:cNvPr id="3" name="Content Placeholder 2"/>
+          <p:cNvSpPr>
+            <a:spLocks noGrp="1"/>
+          </p:cNvSpPr>
+          <p:nvPr>
+            <p:ph idx="1"/>
+          </p:nvPr>
+        </p:nvSpPr>
+        <p:spPr/>
+        <p:txBody>
+          <a:bodyPr/>
+          <a:lstStyle/>
+          <a:p>
+            <a:endParaRPr lang="en-US"/>
+          </a:p>
+        </p:txBody>
+      </p:sp>
+      <p:pic>
+        <p:nvPicPr>
+          <p:cNvPr id="4" name="Picture 3"/>
+          <p:cNvPicPr>
+            <a:picLocks noChangeAspect="1"/>
+          </p:cNvPicPr>
+          <p:nvPr/>
+        </p:nvPicPr>
+        <p:blipFill>
+          <a:blip r:embed="rId2"/>
+          <a:stretch>
+            <a:fillRect/>
+          </a:stretch>
+        </p:blipFill>
+        <p:spPr>
+          <a:xfrm>
+            <a:off x="1033462" y="1825625"/>
+            <a:ext cx="10125075" cy="4575130"/>
+          </a:xfrm>
+          <a:prstGeom prst="rect">
+            <a:avLst/>
+          </a:prstGeom>
+        </p:spPr>
+      </p:pic>
+    </p:spTree>
+    <p:extLst>
+      <p:ext uri="{BB962C8B-B14F-4D97-AF65-F5344CB8AC3E}">
+        <p14:creationId xmlns:p14="http://schemas.microsoft.com/office/powerpoint/2010/main" val="3819442984"/>
+      </p:ext>
+    </p:extLst>
+  </p:cSld>
+  <p:clrMapOvr>
+    <a:masterClrMapping/>
+  </p:clrMapOvr>
+</p:sld>
+</file>
+
+<file path=ppt/slides/slide16.xml><?xml version="1.0" encoding="utf-8"?>
 <p:sld xmlns:a="http://schemas.openxmlformats.org/drawingml/2006/main" xmlns:r="http://schemas.openxmlformats.org/officeDocument/2006/relationships" xmlns:p="http://schemas.openxmlformats.org/presentationml/2006/main">
   <p:cSld>
     <p:spTree>
@@ -4125,11 +4429,6 @@
               </a:rPr>
               <a:t>ln -s -f libcudnn.so.4.0.8 libcudnn.so.4</a:t>
             </a:r>
-            <a:endParaRPr lang="en-US" dirty="0">
-              <a:solidFill>
-                <a:srgbClr val="0070C0"/>
-              </a:solidFill>
-            </a:endParaRPr>
           </a:p>
           <a:p>
             <a:pPr lvl="1"/>

--- a/Documentations/LightNet Tutorial.pptx
+++ b/Documentations/LightNet Tutorial.pptx
@@ -256,7 +256,7 @@
           <a:p>
             <a:fld id="{0580B636-88A0-4567-8D23-F769352092DB}" type="datetimeFigureOut">
               <a:rPr lang="en-US" smtClean="0"/>
-              <a:t>2/26/2017</a:t>
+              <a:t>3/9/2017</a:t>
             </a:fld>
             <a:endParaRPr lang="en-US"/>
           </a:p>
@@ -424,7 +424,7 @@
           <a:p>
             <a:fld id="{0580B636-88A0-4567-8D23-F769352092DB}" type="datetimeFigureOut">
               <a:rPr lang="en-US" smtClean="0"/>
-              <a:t>2/26/2017</a:t>
+              <a:t>3/9/2017</a:t>
             </a:fld>
             <a:endParaRPr lang="en-US"/>
           </a:p>
@@ -602,7 +602,7 @@
           <a:p>
             <a:fld id="{0580B636-88A0-4567-8D23-F769352092DB}" type="datetimeFigureOut">
               <a:rPr lang="en-US" smtClean="0"/>
-              <a:t>2/26/2017</a:t>
+              <a:t>3/9/2017</a:t>
             </a:fld>
             <a:endParaRPr lang="en-US"/>
           </a:p>
@@ -770,7 +770,7 @@
           <a:p>
             <a:fld id="{0580B636-88A0-4567-8D23-F769352092DB}" type="datetimeFigureOut">
               <a:rPr lang="en-US" smtClean="0"/>
-              <a:t>2/26/2017</a:t>
+              <a:t>3/9/2017</a:t>
             </a:fld>
             <a:endParaRPr lang="en-US"/>
           </a:p>
@@ -1015,7 +1015,7 @@
           <a:p>
             <a:fld id="{0580B636-88A0-4567-8D23-F769352092DB}" type="datetimeFigureOut">
               <a:rPr lang="en-US" smtClean="0"/>
-              <a:t>2/26/2017</a:t>
+              <a:t>3/9/2017</a:t>
             </a:fld>
             <a:endParaRPr lang="en-US"/>
           </a:p>
@@ -1244,7 +1244,7 @@
           <a:p>
             <a:fld id="{0580B636-88A0-4567-8D23-F769352092DB}" type="datetimeFigureOut">
               <a:rPr lang="en-US" smtClean="0"/>
-              <a:t>2/26/2017</a:t>
+              <a:t>3/9/2017</a:t>
             </a:fld>
             <a:endParaRPr lang="en-US"/>
           </a:p>
@@ -1608,7 +1608,7 @@
           <a:p>
             <a:fld id="{0580B636-88A0-4567-8D23-F769352092DB}" type="datetimeFigureOut">
               <a:rPr lang="en-US" smtClean="0"/>
-              <a:t>2/26/2017</a:t>
+              <a:t>3/9/2017</a:t>
             </a:fld>
             <a:endParaRPr lang="en-US"/>
           </a:p>
@@ -1725,7 +1725,7 @@
           <a:p>
             <a:fld id="{0580B636-88A0-4567-8D23-F769352092DB}" type="datetimeFigureOut">
               <a:rPr lang="en-US" smtClean="0"/>
-              <a:t>2/26/2017</a:t>
+              <a:t>3/9/2017</a:t>
             </a:fld>
             <a:endParaRPr lang="en-US"/>
           </a:p>
@@ -1820,7 +1820,7 @@
           <a:p>
             <a:fld id="{0580B636-88A0-4567-8D23-F769352092DB}" type="datetimeFigureOut">
               <a:rPr lang="en-US" smtClean="0"/>
-              <a:t>2/26/2017</a:t>
+              <a:t>3/9/2017</a:t>
             </a:fld>
             <a:endParaRPr lang="en-US"/>
           </a:p>
@@ -2095,7 +2095,7 @@
           <a:p>
             <a:fld id="{0580B636-88A0-4567-8D23-F769352092DB}" type="datetimeFigureOut">
               <a:rPr lang="en-US" smtClean="0"/>
-              <a:t>2/26/2017</a:t>
+              <a:t>3/9/2017</a:t>
             </a:fld>
             <a:endParaRPr lang="en-US"/>
           </a:p>
@@ -2347,7 +2347,7 @@
           <a:p>
             <a:fld id="{0580B636-88A0-4567-8D23-F769352092DB}" type="datetimeFigureOut">
               <a:rPr lang="en-US" smtClean="0"/>
-              <a:t>2/26/2017</a:t>
+              <a:t>3/9/2017</a:t>
             </a:fld>
             <a:endParaRPr lang="en-US"/>
           </a:p>
@@ -2558,7 +2558,7 @@
           <a:p>
             <a:fld id="{0580B636-88A0-4567-8D23-F769352092DB}" type="datetimeFigureOut">
               <a:rPr lang="en-US" smtClean="0"/>
-              <a:t>2/26/2017</a:t>
+              <a:t>3/9/2017</a:t>
             </a:fld>
             <a:endParaRPr lang="en-US"/>
           </a:p>
@@ -3491,7 +3491,6 @@
               <a:rPr lang="en-US" dirty="0"/>
               <a:t>- Supplementary Materials”</a:t>
             </a:r>
-            <a:endParaRPr lang="en-US" dirty="0"/>
           </a:p>
         </p:txBody>
       </p:sp>
@@ -4282,7 +4281,7 @@
             </a:r>
             <a:r>
               <a:rPr lang="en-US" dirty="0"/>
-              <a:t> R2016 or later </a:t>
+              <a:t> R2017a or later </a:t>
             </a:r>
             <a:r>
               <a:rPr lang="en-US" dirty="0">
@@ -4360,7 +4359,15 @@
             <a:pPr lvl="2"/>
             <a:r>
               <a:rPr lang="en-US" dirty="0"/>
-              <a:t>At this time (Feb, 2017), if you are using a Pascal GPU you may need to apply a patch available from </a:t>
+              <a:t>For </a:t>
+            </a:r>
+            <a:r>
+              <a:rPr lang="en-US" dirty="0" err="1"/>
+              <a:t>Matlab</a:t>
+            </a:r>
+            <a:r>
+              <a:rPr lang="en-US" dirty="0"/>
+              <a:t> R2016a/b users you will need to apply the following fix from </a:t>
             </a:r>
             <a:r>
               <a:rPr lang="en-US" dirty="0" err="1"/>
@@ -4385,15 +4392,7 @@
             <a:pPr lvl="2"/>
             <a:r>
               <a:rPr lang="en-US" dirty="0"/>
-              <a:t>If you are </a:t>
-            </a:r>
-            <a:r>
-              <a:rPr lang="en-US"/>
-              <a:t>using Linux</a:t>
-            </a:r>
-            <a:r>
-              <a:rPr lang="en-US" dirty="0"/>
-              <a:t>, after apply the patch you may also need to do the following (through private communication with </a:t>
+              <a:t>If you are using Linux, after apply the patch you may also need to do the following (through private communication with </a:t>
             </a:r>
             <a:r>
               <a:rPr lang="en-US" dirty="0" err="1"/>
@@ -4431,7 +4430,9 @@
             </a:r>
           </a:p>
           <a:p>
-            <a:pPr lvl="1"/>
+            <a:pPr marL="0" indent="0">
+              <a:buNone/>
+            </a:pPr>
             <a:endParaRPr lang="en-US" dirty="0"/>
           </a:p>
           <a:p>

--- a/Documentations/LightNet Tutorial.pptx
+++ b/Documentations/LightNet Tutorial.pptx
@@ -256,7 +256,7 @@
           <a:p>
             <a:fld id="{0580B636-88A0-4567-8D23-F769352092DB}" type="datetimeFigureOut">
               <a:rPr lang="en-US" smtClean="0"/>
-              <a:t>3/9/2017</a:t>
+              <a:t>4/19/2017</a:t>
             </a:fld>
             <a:endParaRPr lang="en-US"/>
           </a:p>
@@ -424,7 +424,7 @@
           <a:p>
             <a:fld id="{0580B636-88A0-4567-8D23-F769352092DB}" type="datetimeFigureOut">
               <a:rPr lang="en-US" smtClean="0"/>
-              <a:t>3/9/2017</a:t>
+              <a:t>4/19/2017</a:t>
             </a:fld>
             <a:endParaRPr lang="en-US"/>
           </a:p>
@@ -602,7 +602,7 @@
           <a:p>
             <a:fld id="{0580B636-88A0-4567-8D23-F769352092DB}" type="datetimeFigureOut">
               <a:rPr lang="en-US" smtClean="0"/>
-              <a:t>3/9/2017</a:t>
+              <a:t>4/19/2017</a:t>
             </a:fld>
             <a:endParaRPr lang="en-US"/>
           </a:p>
@@ -770,7 +770,7 @@
           <a:p>
             <a:fld id="{0580B636-88A0-4567-8D23-F769352092DB}" type="datetimeFigureOut">
               <a:rPr lang="en-US" smtClean="0"/>
-              <a:t>3/9/2017</a:t>
+              <a:t>4/19/2017</a:t>
             </a:fld>
             <a:endParaRPr lang="en-US"/>
           </a:p>
@@ -1015,7 +1015,7 @@
           <a:p>
             <a:fld id="{0580B636-88A0-4567-8D23-F769352092DB}" type="datetimeFigureOut">
               <a:rPr lang="en-US" smtClean="0"/>
-              <a:t>3/9/2017</a:t>
+              <a:t>4/19/2017</a:t>
             </a:fld>
             <a:endParaRPr lang="en-US"/>
           </a:p>
@@ -1244,7 +1244,7 @@
           <a:p>
             <a:fld id="{0580B636-88A0-4567-8D23-F769352092DB}" type="datetimeFigureOut">
               <a:rPr lang="en-US" smtClean="0"/>
-              <a:t>3/9/2017</a:t>
+              <a:t>4/19/2017</a:t>
             </a:fld>
             <a:endParaRPr lang="en-US"/>
           </a:p>
@@ -1608,7 +1608,7 @@
           <a:p>
             <a:fld id="{0580B636-88A0-4567-8D23-F769352092DB}" type="datetimeFigureOut">
               <a:rPr lang="en-US" smtClean="0"/>
-              <a:t>3/9/2017</a:t>
+              <a:t>4/19/2017</a:t>
             </a:fld>
             <a:endParaRPr lang="en-US"/>
           </a:p>
@@ -1725,7 +1725,7 @@
           <a:p>
             <a:fld id="{0580B636-88A0-4567-8D23-F769352092DB}" type="datetimeFigureOut">
               <a:rPr lang="en-US" smtClean="0"/>
-              <a:t>3/9/2017</a:t>
+              <a:t>4/19/2017</a:t>
             </a:fld>
             <a:endParaRPr lang="en-US"/>
           </a:p>
@@ -1820,7 +1820,7 @@
           <a:p>
             <a:fld id="{0580B636-88A0-4567-8D23-F769352092DB}" type="datetimeFigureOut">
               <a:rPr lang="en-US" smtClean="0"/>
-              <a:t>3/9/2017</a:t>
+              <a:t>4/19/2017</a:t>
             </a:fld>
             <a:endParaRPr lang="en-US"/>
           </a:p>
@@ -2095,7 +2095,7 @@
           <a:p>
             <a:fld id="{0580B636-88A0-4567-8D23-F769352092DB}" type="datetimeFigureOut">
               <a:rPr lang="en-US" smtClean="0"/>
-              <a:t>3/9/2017</a:t>
+              <a:t>4/19/2017</a:t>
             </a:fld>
             <a:endParaRPr lang="en-US"/>
           </a:p>
@@ -2347,7 +2347,7 @@
           <a:p>
             <a:fld id="{0580B636-88A0-4567-8D23-F769352092DB}" type="datetimeFigureOut">
               <a:rPr lang="en-US" smtClean="0"/>
-              <a:t>3/9/2017</a:t>
+              <a:t>4/19/2017</a:t>
             </a:fld>
             <a:endParaRPr lang="en-US"/>
           </a:p>
@@ -2558,7 +2558,7 @@
           <a:p>
             <a:fld id="{0580B636-88A0-4567-8D23-F769352092DB}" type="datetimeFigureOut">
               <a:rPr lang="en-US" smtClean="0"/>
-              <a:t>3/9/2017</a:t>
+              <a:t>4/19/2017</a:t>
             </a:fld>
             <a:endParaRPr lang="en-US"/>
           </a:p>
@@ -3772,7 +3772,7 @@
       </p:sp>
       <p:pic>
         <p:nvPicPr>
-          <p:cNvPr id="4" name="Picture 3"/>
+          <p:cNvPr id="7" name="Picture 6"/>
           <p:cNvPicPr>
             <a:picLocks noChangeAspect="1"/>
           </p:cNvPicPr>
@@ -3786,8 +3786,8 @@
         </p:blipFill>
         <p:spPr>
           <a:xfrm>
-            <a:off x="1033462" y="1825625"/>
-            <a:ext cx="10125075" cy="4575130"/>
+            <a:off x="941895" y="1896913"/>
+            <a:ext cx="10308210" cy="4754325"/>
           </a:xfrm>
           <a:prstGeom prst="rect">
             <a:avLst/>

--- a/Documentations/LightNet Tutorial.pptx
+++ b/Documentations/LightNet Tutorial.pptx
@@ -127,6 +127,10 @@
 </p:presentation>
 </file>
 
+<file path=ppt/revisionInfo.xml><?xml version="1.0" encoding="utf-8"?>
+<p1510:revInfo xmlns:a="http://schemas.openxmlformats.org/drawingml/2006/main" xmlns:r="http://schemas.openxmlformats.org/officeDocument/2006/relationships" xmlns:p1510="http://schemas.microsoft.com/office/powerpoint/2015/10/main"/>
+</file>
+
 <file path=ppt/slideLayouts/slideLayout1.xml><?xml version="1.0" encoding="utf-8"?>
 <p:sldLayout xmlns:a="http://schemas.openxmlformats.org/drawingml/2006/main" xmlns:r="http://schemas.openxmlformats.org/officeDocument/2006/relationships" xmlns:p="http://schemas.openxmlformats.org/presentationml/2006/main" type="title" preserve="1">
   <p:cSld name="Title Slide">
@@ -256,7 +260,7 @@
           <a:p>
             <a:fld id="{0580B636-88A0-4567-8D23-F769352092DB}" type="datetimeFigureOut">
               <a:rPr lang="en-US" smtClean="0"/>
-              <a:t>4/19/2017</a:t>
+              <a:t>8/11/2017</a:t>
             </a:fld>
             <a:endParaRPr lang="en-US"/>
           </a:p>
@@ -424,7 +428,7 @@
           <a:p>
             <a:fld id="{0580B636-88A0-4567-8D23-F769352092DB}" type="datetimeFigureOut">
               <a:rPr lang="en-US" smtClean="0"/>
-              <a:t>4/19/2017</a:t>
+              <a:t>8/11/2017</a:t>
             </a:fld>
             <a:endParaRPr lang="en-US"/>
           </a:p>
@@ -602,7 +606,7 @@
           <a:p>
             <a:fld id="{0580B636-88A0-4567-8D23-F769352092DB}" type="datetimeFigureOut">
               <a:rPr lang="en-US" smtClean="0"/>
-              <a:t>4/19/2017</a:t>
+              <a:t>8/11/2017</a:t>
             </a:fld>
             <a:endParaRPr lang="en-US"/>
           </a:p>
@@ -770,7 +774,7 @@
           <a:p>
             <a:fld id="{0580B636-88A0-4567-8D23-F769352092DB}" type="datetimeFigureOut">
               <a:rPr lang="en-US" smtClean="0"/>
-              <a:t>4/19/2017</a:t>
+              <a:t>8/11/2017</a:t>
             </a:fld>
             <a:endParaRPr lang="en-US"/>
           </a:p>
@@ -1015,7 +1019,7 @@
           <a:p>
             <a:fld id="{0580B636-88A0-4567-8D23-F769352092DB}" type="datetimeFigureOut">
               <a:rPr lang="en-US" smtClean="0"/>
-              <a:t>4/19/2017</a:t>
+              <a:t>8/11/2017</a:t>
             </a:fld>
             <a:endParaRPr lang="en-US"/>
           </a:p>
@@ -1244,7 +1248,7 @@
           <a:p>
             <a:fld id="{0580B636-88A0-4567-8D23-F769352092DB}" type="datetimeFigureOut">
               <a:rPr lang="en-US" smtClean="0"/>
-              <a:t>4/19/2017</a:t>
+              <a:t>8/11/2017</a:t>
             </a:fld>
             <a:endParaRPr lang="en-US"/>
           </a:p>
@@ -1608,7 +1612,7 @@
           <a:p>
             <a:fld id="{0580B636-88A0-4567-8D23-F769352092DB}" type="datetimeFigureOut">
               <a:rPr lang="en-US" smtClean="0"/>
-              <a:t>4/19/2017</a:t>
+              <a:t>8/11/2017</a:t>
             </a:fld>
             <a:endParaRPr lang="en-US"/>
           </a:p>
@@ -1725,7 +1729,7 @@
           <a:p>
             <a:fld id="{0580B636-88A0-4567-8D23-F769352092DB}" type="datetimeFigureOut">
               <a:rPr lang="en-US" smtClean="0"/>
-              <a:t>4/19/2017</a:t>
+              <a:t>8/11/2017</a:t>
             </a:fld>
             <a:endParaRPr lang="en-US"/>
           </a:p>
@@ -1820,7 +1824,7 @@
           <a:p>
             <a:fld id="{0580B636-88A0-4567-8D23-F769352092DB}" type="datetimeFigureOut">
               <a:rPr lang="en-US" smtClean="0"/>
-              <a:t>4/19/2017</a:t>
+              <a:t>8/11/2017</a:t>
             </a:fld>
             <a:endParaRPr lang="en-US"/>
           </a:p>
@@ -2095,7 +2099,7 @@
           <a:p>
             <a:fld id="{0580B636-88A0-4567-8D23-F769352092DB}" type="datetimeFigureOut">
               <a:rPr lang="en-US" smtClean="0"/>
-              <a:t>4/19/2017</a:t>
+              <a:t>8/11/2017</a:t>
             </a:fld>
             <a:endParaRPr lang="en-US"/>
           </a:p>
@@ -2347,7 +2351,7 @@
           <a:p>
             <a:fld id="{0580B636-88A0-4567-8D23-F769352092DB}" type="datetimeFigureOut">
               <a:rPr lang="en-US" smtClean="0"/>
-              <a:t>4/19/2017</a:t>
+              <a:t>8/11/2017</a:t>
             </a:fld>
             <a:endParaRPr lang="en-US"/>
           </a:p>
@@ -2558,7 +2562,7 @@
           <a:p>
             <a:fld id="{0580B636-88A0-4567-8D23-F769352092DB}" type="datetimeFigureOut">
               <a:rPr lang="en-US" smtClean="0"/>
-              <a:t>4/19/2017</a:t>
+              <a:t>8/11/2017</a:t>
             </a:fld>
             <a:endParaRPr lang="en-US"/>
           </a:p>
@@ -3234,6 +3238,14 @@
             </a:r>
           </a:p>
           <a:p>
+            <a:pPr lvl="2"/>
+            <a:r>
+              <a:rPr lang="en-US"/>
+              <a:t>Policy Network</a:t>
+            </a:r>
+            <a:endParaRPr lang="en-US" dirty="0"/>
+          </a:p>
+          <a:p>
             <a:r>
               <a:rPr lang="en-US" dirty="0"/>
               <a:t>Recurrent Neural Network</a:t>
@@ -3859,7 +3871,7 @@
         <p:spPr/>
         <p:txBody>
           <a:bodyPr>
-            <a:normAutofit fontScale="92500" lnSpcReduction="20000"/>
+            <a:normAutofit fontScale="85000" lnSpcReduction="20000"/>
           </a:bodyPr>
           <a:lstStyle/>
           <a:p>
@@ -3996,6 +4008,13 @@
               <a:t>sgd.m</a:t>
             </a:r>
             <a:endParaRPr lang="en-US" dirty="0"/>
+          </a:p>
+          <a:p>
+            <a:pPr lvl="1"/>
+            <a:r>
+              <a:rPr lang="en-US" dirty="0"/>
+              <a:t>sgd2.m</a:t>
+            </a:r>
           </a:p>
           <a:p>
             <a:pPr lvl="1"/>
